--- a/Docs/Telemetry_Presentation_v08.pptx
+++ b/Docs/Telemetry_Presentation_v08.pptx
@@ -23,7 +23,7 @@
     <p:sldId id="274" r:id="rId11"/>
     <p:sldId id="275" r:id="rId12"/>
     <p:sldId id="281" r:id="rId13"/>
-    <p:sldId id="276" r:id="rId14"/>
+    <p:sldId id="283" r:id="rId14"/>
     <p:sldId id="278" r:id="rId15"/>
     <p:sldId id="277" r:id="rId16"/>
     <p:sldId id="282" r:id="rId17"/>
@@ -226,7 +226,7 @@
           <a:p>
             <a:fld id="{97CB1905-1EEB-6545-B5E2-B70E8868255E}" type="datetimeFigureOut">
               <a:rPr lang="en-US" smtClean="0"/>
-              <a:t>4/22/17</a:t>
+              <a:t>4/22/2017</a:t>
             </a:fld>
             <a:endParaRPr lang="en-US"/>
           </a:p>
@@ -392,7 +392,7 @@
           <a:p>
             <a:fld id="{5F53F6BF-7462-9046-A2B6-90C29244BD27}" type="datetimeFigureOut">
               <a:rPr lang="en-US" smtClean="0"/>
-              <a:t>4/22/17</a:t>
+              <a:t>4/22/2017</a:t>
             </a:fld>
             <a:endParaRPr lang="en-US"/>
           </a:p>
@@ -456,38 +456,37 @@
           <a:p>
             <a:pPr lvl="0"/>
             <a:r>
-              <a:rPr lang="en-US" smtClean="0"/>
+              <a:rPr lang="en-US"/>
               <a:t>Click to edit Master text styles</a:t>
             </a:r>
           </a:p>
           <a:p>
             <a:pPr lvl="1"/>
             <a:r>
-              <a:rPr lang="en-US" smtClean="0"/>
+              <a:rPr lang="en-US"/>
               <a:t>Second level</a:t>
             </a:r>
           </a:p>
           <a:p>
             <a:pPr lvl="2"/>
             <a:r>
-              <a:rPr lang="en-US" smtClean="0"/>
+              <a:rPr lang="en-US"/>
               <a:t>Third level</a:t>
             </a:r>
           </a:p>
           <a:p>
             <a:pPr lvl="3"/>
             <a:r>
-              <a:rPr lang="en-US" smtClean="0"/>
+              <a:rPr lang="en-US"/>
               <a:t>Fourth level</a:t>
             </a:r>
           </a:p>
           <a:p>
             <a:pPr lvl="4"/>
             <a:r>
-              <a:rPr lang="en-US" smtClean="0"/>
+              <a:rPr lang="en-US"/>
               <a:t>Fifth level</a:t>
             </a:r>
-            <a:endParaRPr lang="en-US"/>
           </a:p>
         </p:txBody>
       </p:sp>
@@ -712,10 +711,9 @@
           </a:lstStyle>
           <a:p>
             <a:r>
-              <a:rPr lang="en-US" dirty="0" smtClean="0"/>
+              <a:rPr lang="en-US" dirty="0"/>
               <a:t>Click to edit Master title style</a:t>
             </a:r>
-            <a:endParaRPr lang="en-US" dirty="0"/>
           </a:p>
         </p:txBody>
       </p:sp>
@@ -832,10 +830,9 @@
           </a:lstStyle>
           <a:p>
             <a:r>
-              <a:rPr lang="en-US" dirty="0" smtClean="0"/>
+              <a:rPr lang="en-US" dirty="0"/>
               <a:t>Click to edit Master subtitle style</a:t>
             </a:r>
-            <a:endParaRPr lang="en-US" dirty="0"/>
           </a:p>
         </p:txBody>
       </p:sp>
@@ -899,10 +896,9 @@
           </a:lstStyle>
           <a:p>
             <a:r>
-              <a:rPr lang="en-US" dirty="0" smtClean="0"/>
+              <a:rPr lang="en-US" dirty="0"/>
               <a:t>Click to edit Master title style</a:t>
             </a:r>
-            <a:endParaRPr lang="en-US" dirty="0"/>
           </a:p>
         </p:txBody>
       </p:sp>
@@ -931,38 +927,37 @@
           <a:p>
             <a:pPr lvl="0"/>
             <a:r>
-              <a:rPr lang="en-US" dirty="0" smtClean="0"/>
+              <a:rPr lang="en-US" dirty="0"/>
               <a:t>Click to edit Master text styles</a:t>
             </a:r>
           </a:p>
           <a:p>
             <a:pPr lvl="1"/>
             <a:r>
-              <a:rPr lang="en-US" dirty="0" smtClean="0"/>
+              <a:rPr lang="en-US" dirty="0"/>
               <a:t>Second level</a:t>
             </a:r>
           </a:p>
           <a:p>
             <a:pPr lvl="2"/>
             <a:r>
-              <a:rPr lang="en-US" dirty="0" smtClean="0"/>
+              <a:rPr lang="en-US" dirty="0"/>
               <a:t>Third level</a:t>
             </a:r>
           </a:p>
           <a:p>
             <a:pPr lvl="3"/>
             <a:r>
-              <a:rPr lang="en-US" dirty="0" smtClean="0"/>
+              <a:rPr lang="en-US" dirty="0"/>
               <a:t>Fourth level</a:t>
             </a:r>
           </a:p>
           <a:p>
             <a:pPr lvl="4"/>
             <a:r>
-              <a:rPr lang="en-US" dirty="0" smtClean="0"/>
+              <a:rPr lang="en-US" dirty="0"/>
               <a:t>Fifth level</a:t>
             </a:r>
-            <a:endParaRPr lang="en-US" dirty="0"/>
           </a:p>
         </p:txBody>
       </p:sp>
@@ -1026,10 +1021,9 @@
           </a:lstStyle>
           <a:p>
             <a:r>
-              <a:rPr lang="en-US" dirty="0" smtClean="0"/>
+              <a:rPr lang="en-US" dirty="0"/>
               <a:t>Click to edit master title style</a:t>
             </a:r>
-            <a:endParaRPr lang="en-US" dirty="0"/>
           </a:p>
         </p:txBody>
       </p:sp>
@@ -1149,7 +1143,7 @@
           <a:p>
             <a:pPr lvl="0"/>
             <a:r>
-              <a:rPr lang="en-US" dirty="0" smtClean="0"/>
+              <a:rPr lang="en-US" dirty="0"/>
               <a:t>Click to edit Master text styles</a:t>
             </a:r>
           </a:p>
@@ -1215,10 +1209,9 @@
           </a:lstStyle>
           <a:p>
             <a:r>
-              <a:rPr lang="en-US" dirty="0" smtClean="0"/>
+              <a:rPr lang="en-US" dirty="0"/>
               <a:t>Click to edit Master</a:t>
             </a:r>
-            <a:endParaRPr lang="en-US" dirty="0"/>
           </a:p>
         </p:txBody>
       </p:sp>
@@ -1275,38 +1268,37 @@
           <a:p>
             <a:pPr lvl="0"/>
             <a:r>
-              <a:rPr lang="en-US" dirty="0" smtClean="0"/>
+              <a:rPr lang="en-US" dirty="0"/>
               <a:t>Click to edit Master text styles</a:t>
             </a:r>
           </a:p>
           <a:p>
             <a:pPr lvl="1"/>
             <a:r>
-              <a:rPr lang="en-US" dirty="0" smtClean="0"/>
+              <a:rPr lang="en-US" dirty="0"/>
               <a:t>Second level</a:t>
             </a:r>
           </a:p>
           <a:p>
             <a:pPr lvl="2"/>
             <a:r>
-              <a:rPr lang="en-US" dirty="0" smtClean="0"/>
+              <a:rPr lang="en-US" dirty="0"/>
               <a:t>Third level</a:t>
             </a:r>
           </a:p>
           <a:p>
             <a:pPr lvl="3"/>
             <a:r>
-              <a:rPr lang="en-US" dirty="0" smtClean="0"/>
+              <a:rPr lang="en-US" dirty="0"/>
               <a:t>Fourth level</a:t>
             </a:r>
           </a:p>
           <a:p>
             <a:pPr lvl="4"/>
             <a:r>
-              <a:rPr lang="en-US" dirty="0" smtClean="0"/>
+              <a:rPr lang="en-US" dirty="0"/>
               <a:t>Fifth level</a:t>
             </a:r>
-            <a:endParaRPr lang="en-US" dirty="0"/>
           </a:p>
         </p:txBody>
       </p:sp>
@@ -1383,38 +1375,37 @@
           <a:p>
             <a:pPr lvl="0"/>
             <a:r>
-              <a:rPr lang="en-US" dirty="0" smtClean="0"/>
+              <a:rPr lang="en-US" dirty="0"/>
               <a:t>Click to edit Master text styles</a:t>
             </a:r>
           </a:p>
           <a:p>
             <a:pPr lvl="1"/>
             <a:r>
-              <a:rPr lang="en-US" dirty="0" smtClean="0"/>
+              <a:rPr lang="en-US" dirty="0"/>
               <a:t>Second level</a:t>
             </a:r>
           </a:p>
           <a:p>
             <a:pPr lvl="2"/>
             <a:r>
-              <a:rPr lang="en-US" dirty="0" smtClean="0"/>
+              <a:rPr lang="en-US" dirty="0"/>
               <a:t>Third level</a:t>
             </a:r>
           </a:p>
           <a:p>
             <a:pPr lvl="3"/>
             <a:r>
-              <a:rPr lang="en-US" dirty="0" smtClean="0"/>
+              <a:rPr lang="en-US" dirty="0"/>
               <a:t>Fourth level</a:t>
             </a:r>
           </a:p>
           <a:p>
             <a:pPr lvl="4"/>
             <a:r>
-              <a:rPr lang="en-US" dirty="0" smtClean="0"/>
+              <a:rPr lang="en-US" dirty="0"/>
               <a:t>Fifth level</a:t>
             </a:r>
-            <a:endParaRPr lang="en-US" dirty="0"/>
           </a:p>
         </p:txBody>
       </p:sp>
@@ -1476,10 +1467,9 @@
           </a:lstStyle>
           <a:p>
             <a:r>
-              <a:rPr lang="en-US" dirty="0" smtClean="0"/>
+              <a:rPr lang="en-US" dirty="0"/>
               <a:t>Click to edit Master title style</a:t>
             </a:r>
-            <a:endParaRPr lang="en-US" dirty="0"/>
           </a:p>
         </p:txBody>
       </p:sp>
@@ -1609,7 +1599,7 @@
           <a:p>
             <a:pPr lvl="0"/>
             <a:r>
-              <a:rPr lang="en-US" dirty="0" smtClean="0"/>
+              <a:rPr lang="en-US" dirty="0"/>
               <a:t>Click to edit Master text styles</a:t>
             </a:r>
           </a:p>
@@ -1670,15 +1660,15 @@
           </a:lstStyle>
           <a:p>
             <a:r>
-              <a:rPr lang="en-US" dirty="0" err="1" smtClean="0"/>
+              <a:rPr lang="en-US" dirty="0" err="1"/>
               <a:t>Lorem</a:t>
             </a:r>
             <a:r>
-              <a:rPr lang="en-US" dirty="0" smtClean="0"/>
+              <a:rPr lang="en-US" dirty="0"/>
               <a:t> </a:t>
             </a:r>
             <a:r>
-              <a:rPr lang="en-US" dirty="0" err="1" smtClean="0"/>
+              <a:rPr lang="en-US" dirty="0" err="1"/>
               <a:t>ipsum</a:t>
             </a:r>
             <a:endParaRPr lang="en-US" dirty="0"/>
@@ -1735,38 +1725,37 @@
           <a:p>
             <a:pPr lvl="0"/>
             <a:r>
-              <a:rPr lang="en-US" dirty="0" smtClean="0"/>
+              <a:rPr lang="en-US" dirty="0"/>
               <a:t>Click to edit Master text styles</a:t>
             </a:r>
           </a:p>
           <a:p>
             <a:pPr lvl="1"/>
             <a:r>
-              <a:rPr lang="en-US" dirty="0" smtClean="0"/>
+              <a:rPr lang="en-US" dirty="0"/>
               <a:t>Second level</a:t>
             </a:r>
           </a:p>
           <a:p>
             <a:pPr lvl="2"/>
             <a:r>
-              <a:rPr lang="en-US" dirty="0" smtClean="0"/>
+              <a:rPr lang="en-US" dirty="0"/>
               <a:t>Third level</a:t>
             </a:r>
           </a:p>
           <a:p>
             <a:pPr lvl="3"/>
             <a:r>
-              <a:rPr lang="en-US" dirty="0" smtClean="0"/>
+              <a:rPr lang="en-US" dirty="0"/>
               <a:t>Fourth level</a:t>
             </a:r>
           </a:p>
           <a:p>
             <a:pPr lvl="4"/>
             <a:r>
-              <a:rPr lang="en-US" dirty="0" smtClean="0"/>
+              <a:rPr lang="en-US" dirty="0"/>
               <a:t>Fifth level</a:t>
             </a:r>
-            <a:endParaRPr lang="en-US" dirty="0"/>
           </a:p>
         </p:txBody>
       </p:sp>
@@ -1829,18 +1818,18 @@
           <a:p>
             <a:pPr lvl="0"/>
             <a:r>
-              <a:rPr lang="en-US" dirty="0" err="1" smtClean="0"/>
+              <a:rPr lang="en-US" dirty="0" err="1"/>
               <a:t>Lorem</a:t>
             </a:r>
             <a:r>
-              <a:rPr lang="en-US" dirty="0" smtClean="0"/>
+              <a:rPr lang="en-US" dirty="0"/>
               <a:t> </a:t>
             </a:r>
             <a:r>
-              <a:rPr lang="en-US" dirty="0" err="1" smtClean="0"/>
+              <a:rPr lang="en-US" dirty="0" err="1"/>
               <a:t>ipsum</a:t>
             </a:r>
-            <a:endParaRPr lang="en-US" dirty="0" smtClean="0"/>
+            <a:endParaRPr lang="en-US" dirty="0"/>
           </a:p>
         </p:txBody>
       </p:sp>
@@ -1931,10 +1920,9 @@
           <a:lstStyle/>
           <a:p>
             <a:r>
-              <a:rPr lang="en-US" dirty="0" smtClean="0"/>
+              <a:rPr lang="en-US" dirty="0"/>
               <a:t>Project Title</a:t>
             </a:r>
-            <a:endParaRPr lang="en-US" dirty="0"/>
           </a:p>
         </p:txBody>
       </p:sp>
@@ -1965,47 +1953,46 @@
           <a:p>
             <a:pPr lvl="0"/>
             <a:r>
-              <a:rPr lang="en-US" dirty="0" err="1" smtClean="0"/>
+              <a:rPr lang="en-US" dirty="0" err="1"/>
               <a:t>Lorem</a:t>
             </a:r>
             <a:r>
-              <a:rPr lang="en-US" dirty="0" smtClean="0"/>
+              <a:rPr lang="en-US" dirty="0"/>
               <a:t> </a:t>
             </a:r>
             <a:r>
-              <a:rPr lang="en-US" dirty="0" err="1" smtClean="0"/>
+              <a:rPr lang="en-US" dirty="0" err="1"/>
               <a:t>Ipsum</a:t>
             </a:r>
-            <a:endParaRPr lang="en-US" dirty="0" smtClean="0"/>
+            <a:endParaRPr lang="en-US" dirty="0"/>
           </a:p>
           <a:p>
             <a:pPr lvl="1"/>
             <a:r>
-              <a:rPr lang="en-US" dirty="0" smtClean="0"/>
+              <a:rPr lang="en-US" dirty="0"/>
               <a:t>Second level</a:t>
             </a:r>
           </a:p>
           <a:p>
             <a:pPr lvl="2"/>
             <a:r>
-              <a:rPr lang="en-US" dirty="0" smtClean="0"/>
+              <a:rPr lang="en-US" dirty="0"/>
               <a:t>Third level</a:t>
             </a:r>
           </a:p>
           <a:p>
             <a:pPr lvl="3"/>
             <a:r>
-              <a:rPr lang="en-US" dirty="0" smtClean="0"/>
+              <a:rPr lang="en-US" dirty="0"/>
               <a:t>Fourth level</a:t>
             </a:r>
           </a:p>
           <a:p>
             <a:pPr lvl="4"/>
             <a:r>
-              <a:rPr lang="en-US" dirty="0" smtClean="0"/>
+              <a:rPr lang="en-US" dirty="0"/>
               <a:t>Fifth level</a:t>
             </a:r>
-            <a:endParaRPr lang="en-US" dirty="0"/>
           </a:p>
         </p:txBody>
       </p:sp>
@@ -2389,18 +2376,13 @@
           <a:lstStyle/>
           <a:p>
             <a:r>
-              <a:rPr lang="en-US" dirty="0" smtClean="0">
+              <a:rPr lang="en-US" dirty="0">
                 <a:solidFill>
                   <a:srgbClr val="C28220"/>
                 </a:solidFill>
               </a:rPr>
               <a:t>A Cloud Solution for Telemetry Data</a:t>
             </a:r>
-            <a:endParaRPr lang="en-US" dirty="0">
-              <a:solidFill>
-                <a:srgbClr val="C28220"/>
-              </a:solidFill>
-            </a:endParaRPr>
           </a:p>
         </p:txBody>
       </p:sp>
@@ -2423,7 +2405,7 @@
         </p:spPr>
         <p:txBody>
           <a:bodyPr vert="horz" lIns="91440" tIns="45720" rIns="91440" bIns="45720" rtlCol="0">
-            <a:normAutofit fontScale="92500"/>
+            <a:normAutofit/>
           </a:bodyPr>
           <a:lstStyle>
             <a:lvl1pPr marL="0" indent="0" algn="l" defTabSz="457200" rtl="0" eaLnBrk="1" latinLnBrk="0" hangingPunct="1">
@@ -2580,49 +2562,49 @@
           </a:lstStyle>
           <a:p>
             <a:r>
-              <a:rPr lang="en-US" dirty="0" smtClean="0"/>
+              <a:rPr lang="en-US" dirty="0"/>
               <a:t>Thong Bui</a:t>
             </a:r>
           </a:p>
           <a:p>
             <a:r>
-              <a:rPr lang="en-US" dirty="0" smtClean="0"/>
+              <a:rPr lang="en-US" dirty="0"/>
               <a:t>Roy </a:t>
             </a:r>
             <a:r>
-              <a:rPr lang="en-US" dirty="0" err="1" smtClean="0"/>
+              <a:rPr lang="en-US" dirty="0" err="1"/>
               <a:t>Gvirtsman</a:t>
             </a:r>
-            <a:endParaRPr lang="en-US" dirty="0" smtClean="0"/>
-          </a:p>
-          <a:p>
-            <a:r>
-              <a:rPr lang="en-US" dirty="0" smtClean="0"/>
+            <a:endParaRPr lang="en-US" dirty="0"/>
+          </a:p>
+          <a:p>
+            <a:r>
+              <a:rPr lang="en-US" dirty="0"/>
               <a:t>Geoffrey Link</a:t>
             </a:r>
           </a:p>
           <a:p>
             <a:r>
-              <a:rPr lang="en-US" dirty="0" err="1" smtClean="0"/>
+              <a:rPr lang="en-US" dirty="0" err="1"/>
               <a:t>Zhongqiao</a:t>
             </a:r>
             <a:r>
-              <a:rPr lang="en-US" dirty="0" smtClean="0"/>
+              <a:rPr lang="en-US" dirty="0"/>
               <a:t> </a:t>
             </a:r>
             <a:r>
-              <a:rPr lang="en-US" dirty="0" err="1" smtClean="0"/>
+              <a:rPr lang="en-US" dirty="0" err="1"/>
               <a:t>Jin</a:t>
             </a:r>
-            <a:endParaRPr lang="en-US" dirty="0" smtClean="0"/>
-          </a:p>
-          <a:p>
-            <a:r>
-              <a:rPr lang="en-US" dirty="0" smtClean="0"/>
+            <a:endParaRPr lang="en-US" dirty="0"/>
+          </a:p>
+          <a:p>
+            <a:r>
+              <a:rPr lang="en-US" dirty="0"/>
               <a:t>Happiness </a:t>
             </a:r>
             <a:r>
-              <a:rPr lang="en-US" dirty="0" err="1" smtClean="0"/>
+              <a:rPr lang="en-US" dirty="0" err="1"/>
               <a:t>Munedzimwe</a:t>
             </a:r>
             <a:endParaRPr lang="en-US" dirty="0"/>
@@ -2798,7 +2780,7 @@
         </p:spPr>
         <p:txBody>
           <a:bodyPr vert="horz" lIns="91440" tIns="45720" rIns="91440" bIns="45720" rtlCol="0">
-            <a:normAutofit fontScale="92500"/>
+            <a:normAutofit/>
           </a:bodyPr>
           <a:lstStyle>
             <a:lvl1pPr marL="0" indent="0" algn="l" defTabSz="457200" rtl="0" eaLnBrk="1" latinLnBrk="0" hangingPunct="1">
@@ -2955,18 +2937,17 @@
           </a:lstStyle>
           <a:p>
             <a:r>
-              <a:rPr lang="en-US" dirty="0" smtClean="0"/>
+              <a:rPr lang="en-US" dirty="0"/>
               <a:t>Monday April 24</a:t>
             </a:r>
             <a:r>
-              <a:rPr lang="en-US" baseline="30000" dirty="0" smtClean="0"/>
+              <a:rPr lang="en-US" baseline="30000" dirty="0"/>
               <a:t>th</a:t>
             </a:r>
             <a:r>
-              <a:rPr lang="en-US" dirty="0" smtClean="0"/>
+              <a:rPr lang="en-US" dirty="0"/>
               <a:t>, 2017</a:t>
             </a:r>
-            <a:endParaRPr lang="en-US" dirty="0"/>
           </a:p>
         </p:txBody>
       </p:sp>
@@ -2980,13 +2961,6 @@
   <p:clrMapOvr>
     <a:masterClrMapping/>
   </p:clrMapOvr>
-  <p:timing>
-    <p:tnLst>
-      <p:par>
-        <p:cTn id="1" dur="indefinite" restart="never" nodeType="tmRoot"/>
-      </p:par>
-    </p:tnLst>
-  </p:timing>
 </p:sld>
 </file>
 
@@ -3031,7 +3005,7 @@
           <a:p>
             <a:pPr algn="ctr"/>
             <a:r>
-              <a:rPr lang="en-US" dirty="0" smtClean="0"/>
+              <a:rPr lang="en-US" dirty="0"/>
               <a:t>Architecture Overview</a:t>
             </a:r>
             <a:endParaRPr lang="en-US" sz="4200" dirty="0"/>
@@ -3156,13 +3130,6 @@
   <p:clrMapOvr>
     <a:masterClrMapping/>
   </p:clrMapOvr>
-  <p:timing>
-    <p:tnLst>
-      <p:par>
-        <p:cTn id="1" dur="indefinite" restart="never" nodeType="tmRoot"/>
-      </p:par>
-    </p:tnLst>
-  </p:timing>
 </p:sld>
 </file>
 
@@ -3207,7 +3174,7 @@
           <a:p>
             <a:pPr algn="ctr"/>
             <a:r>
-              <a:rPr lang="en-US" dirty="0" smtClean="0"/>
+              <a:rPr lang="en-US" dirty="0"/>
               <a:t>Technology Stack</a:t>
             </a:r>
             <a:endParaRPr lang="en-US" sz="4200" dirty="0"/>
@@ -3291,18 +3258,17 @@
           <a:lstStyle/>
           <a:p>
             <a:r>
-              <a:rPr lang="en-US" dirty="0" smtClean="0"/>
+              <a:rPr lang="en-US" dirty="0"/>
               <a:t>A Load Balancer is a great way to control data flow to </a:t>
             </a:r>
             <a:r>
-              <a:rPr lang="en-US" dirty="0" err="1" smtClean="0"/>
+              <a:rPr lang="en-US" dirty="0" err="1"/>
               <a:t>InfluxDB</a:t>
             </a:r>
             <a:r>
-              <a:rPr lang="en-US" dirty="0" smtClean="0"/>
+              <a:rPr lang="en-US" dirty="0"/>
               <a:t> as long as the crickets can store data and independently recover</a:t>
             </a:r>
-            <a:endParaRPr lang="en-US" dirty="0"/>
           </a:p>
         </p:txBody>
       </p:sp>
@@ -3346,13 +3312,6 @@
   <p:clrMapOvr>
     <a:masterClrMapping/>
   </p:clrMapOvr>
-  <p:timing>
-    <p:tnLst>
-      <p:par>
-        <p:cTn id="1" dur="indefinite" restart="never" nodeType="tmRoot"/>
-      </p:par>
-    </p:tnLst>
-  </p:timing>
 </p:sld>
 </file>
 
@@ -3397,7 +3356,7 @@
           <a:p>
             <a:pPr algn="ctr"/>
             <a:r>
-              <a:rPr lang="en-US" dirty="0" smtClean="0"/>
+              <a:rPr lang="en-US" dirty="0"/>
               <a:t>Predictive Maintenance using K-Means</a:t>
             </a:r>
             <a:endParaRPr lang="en-US" sz="4200" dirty="0"/>
@@ -3423,7 +3382,7 @@
         </p:spPr>
         <p:txBody>
           <a:bodyPr vert="horz" lIns="91440" tIns="45720" rIns="91440" bIns="45720" rtlCol="0">
-            <a:normAutofit fontScale="92500"/>
+            <a:normAutofit lnSpcReduction="10000"/>
           </a:bodyPr>
           <a:lstStyle>
             <a:lvl1pPr marL="342900" indent="-342900" algn="l" defTabSz="457200" rtl="0" eaLnBrk="1" latinLnBrk="0" hangingPunct="1">
@@ -3567,61 +3526,32 @@
               <a:buNone/>
             </a:pPr>
             <a:r>
-              <a:rPr lang="en-US" dirty="0" smtClean="0"/>
+              <a:rPr lang="en-US" dirty="0"/>
               <a:t>If we had more time:</a:t>
             </a:r>
           </a:p>
           <a:p>
             <a:r>
-              <a:rPr lang="en-US" dirty="0" smtClean="0"/>
-              <a:t>Realistic Data Construction </a:t>
-            </a:r>
-            <a:r>
-              <a:rPr lang="en-US" dirty="0"/>
-              <a:t>(not randomized</a:t>
-            </a:r>
-            <a:r>
-              <a:rPr lang="en-US" dirty="0" smtClean="0"/>
-              <a:t>)</a:t>
-            </a:r>
-          </a:p>
-          <a:p>
-            <a:r>
-              <a:rPr lang="en-US" dirty="0" smtClean="0"/>
+              <a:rPr lang="en-US" dirty="0"/>
+              <a:t>Realistic Data Construction (not randomized)</a:t>
+            </a:r>
+          </a:p>
+          <a:p>
+            <a:r>
+              <a:rPr lang="en-US" dirty="0"/>
               <a:t>Analyze Clusters of Devices and their combined </a:t>
             </a:r>
             <a:r>
-              <a:rPr lang="en-US" dirty="0" err="1" smtClean="0"/>
+              <a:rPr lang="en-US" dirty="0" err="1"/>
               <a:t>WaveForms</a:t>
             </a:r>
-            <a:endParaRPr lang="en-US" dirty="0" smtClean="0"/>
-          </a:p>
-          <a:p>
-            <a:r>
-              <a:rPr lang="en-US" dirty="0" smtClean="0"/>
-              <a:t>Bake-off Old School </a:t>
-            </a:r>
-            <a:r>
-              <a:rPr lang="en-US" dirty="0"/>
-              <a:t>K-Means </a:t>
-            </a:r>
-            <a:r>
-              <a:rPr lang="en-US" dirty="0" smtClean="0"/>
-              <a:t>vs. New </a:t>
-            </a:r>
-            <a:r>
-              <a:rPr lang="en-US" dirty="0"/>
-              <a:t>S</a:t>
-            </a:r>
-            <a:r>
-              <a:rPr lang="en-US" dirty="0" smtClean="0"/>
-              <a:t>chool </a:t>
-            </a:r>
-            <a:r>
-              <a:rPr lang="en-US" dirty="0"/>
-              <a:t>Neural Networks</a:t>
-            </a:r>
-            <a:endParaRPr lang="en-US" dirty="0" smtClean="0"/>
+            <a:endParaRPr lang="en-US" dirty="0"/>
+          </a:p>
+          <a:p>
+            <a:r>
+              <a:rPr lang="en-US" dirty="0"/>
+              <a:t>Bake-off Old School K-Means vs. New School Neural Networks</a:t>
+            </a:r>
           </a:p>
         </p:txBody>
       </p:sp>
@@ -3701,7 +3631,7 @@
           <a:lstStyle/>
           <a:p>
             <a:r>
-              <a:rPr lang="en-US" dirty="0" smtClean="0">
+              <a:rPr lang="en-US" dirty="0">
                 <a:hlinkClick r:id="rId4"/>
               </a:rPr>
               <a:t>iPython Notebook</a:t>
@@ -3732,12 +3662,12 @@
           <a:lstStyle/>
           <a:p>
             <a:r>
-              <a:rPr lang="en-US" dirty="0" smtClean="0">
+              <a:rPr lang="en-US" dirty="0">
                 <a:hlinkClick r:id="rId5"/>
               </a:rPr>
               <a:t>PDF Document</a:t>
             </a:r>
-            <a:endParaRPr lang="en-US" dirty="0" smtClean="0"/>
+            <a:endParaRPr lang="en-US" dirty="0"/>
           </a:p>
         </p:txBody>
       </p:sp>
@@ -3763,13 +3693,13 @@
           <a:lstStyle/>
           <a:p>
             <a:r>
-              <a:rPr lang="en-US" dirty="0" smtClean="0">
+              <a:rPr lang="en-US" dirty="0">
                 <a:hlinkClick r:id="rId6"/>
               </a:rPr>
               <a:t>Main </a:t>
             </a:r>
             <a:r>
-              <a:rPr lang="en-US" dirty="0" err="1" smtClean="0">
+              <a:rPr lang="en-US" dirty="0" err="1">
                 <a:hlinkClick r:id="rId6"/>
               </a:rPr>
               <a:t>Github</a:t>
@@ -3800,7 +3730,7 @@
           <a:lstStyle/>
           <a:p>
             <a:r>
-              <a:rPr lang="en-US" dirty="0" smtClean="0">
+              <a:rPr lang="en-US" dirty="0">
                 <a:hlinkClick r:id="rId7"/>
               </a:rPr>
               <a:t>NBViewer</a:t>
@@ -3819,13 +3749,6 @@
   <p:clrMapOvr>
     <a:masterClrMapping/>
   </p:clrMapOvr>
-  <p:timing>
-    <p:tnLst>
-      <p:par>
-        <p:cTn id="1" dur="indefinite" restart="never" nodeType="tmRoot"/>
-      </p:par>
-    </p:tnLst>
-  </p:timing>
 </p:sld>
 </file>
 
@@ -3848,7 +3771,7 @@
       </p:grpSpPr>
       <p:sp>
         <p:nvSpPr>
-          <p:cNvPr id="7" name="Title 1"/>
+          <p:cNvPr id="2" name="Title 1"/>
           <p:cNvSpPr>
             <a:spLocks noGrp="1"/>
           </p:cNvSpPr>
@@ -3858,109 +3781,28 @@
         </p:nvSpPr>
         <p:spPr>
           <a:xfrm>
-            <a:off x="457200" y="276256"/>
+            <a:off x="628650" y="221332"/>
             <a:ext cx="7766050" cy="1150353"/>
           </a:xfrm>
         </p:spPr>
         <p:txBody>
-          <a:bodyPr>
-            <a:normAutofit/>
-          </a:bodyPr>
+          <a:bodyPr/>
           <a:lstStyle/>
           <a:p>
             <a:r>
-              <a:rPr lang="en-US" dirty="0" err="1" smtClean="0"/>
+              <a:rPr lang="en-US" dirty="0" err="1"/>
               <a:t>InfluxDB</a:t>
             </a:r>
             <a:r>
-              <a:rPr lang="en-US" dirty="0" smtClean="0"/>
-              <a:t> Cluster Monitor</a:t>
-            </a:r>
-            <a:endParaRPr lang="en-US" sz="4200" dirty="0"/>
+              <a:rPr lang="en-US" dirty="0"/>
+              <a:t>: time series database</a:t>
+            </a:r>
           </a:p>
         </p:txBody>
       </p:sp>
-      <p:pic>
-        <p:nvPicPr>
-          <p:cNvPr id="9" name="Picture 8"/>
-          <p:cNvPicPr>
-            <a:picLocks noChangeAspect="1"/>
-          </p:cNvPicPr>
-          <p:nvPr/>
-        </p:nvPicPr>
-        <p:blipFill>
-          <a:blip r:embed="rId2">
-            <a:extLst>
-              <a:ext uri="{28A0092B-C50C-407E-A947-70E740481C1C}">
-                <a14:useLocalDpi xmlns:a14="http://schemas.microsoft.com/office/drawing/2010/main" val="0"/>
-              </a:ext>
-            </a:extLst>
-          </a:blip>
-          <a:stretch>
-            <a:fillRect/>
-          </a:stretch>
-        </p:blipFill>
-        <p:spPr>
-          <a:xfrm>
-            <a:off x="2191328" y="6078721"/>
-            <a:ext cx="332178" cy="332178"/>
-          </a:xfrm>
-          <a:prstGeom prst="rect">
-            <a:avLst/>
-          </a:prstGeom>
-        </p:spPr>
-      </p:pic>
-      <p:pic>
-        <p:nvPicPr>
-          <p:cNvPr id="10" name="Picture 9"/>
-          <p:cNvPicPr>
-            <a:picLocks noChangeAspect="1"/>
-          </p:cNvPicPr>
-          <p:nvPr/>
-        </p:nvPicPr>
-        <p:blipFill>
-          <a:blip r:embed="rId3"/>
-          <a:stretch>
-            <a:fillRect/>
-          </a:stretch>
-        </p:blipFill>
-        <p:spPr>
-          <a:xfrm>
-            <a:off x="4476997" y="1184556"/>
-            <a:ext cx="3972647" cy="2100823"/>
-          </a:xfrm>
-          <a:prstGeom prst="rect">
-            <a:avLst/>
-          </a:prstGeom>
-        </p:spPr>
-      </p:pic>
-      <p:pic>
-        <p:nvPicPr>
-          <p:cNvPr id="11" name="Picture 10"/>
-          <p:cNvPicPr>
-            <a:picLocks noChangeAspect="1"/>
-          </p:cNvPicPr>
-          <p:nvPr/>
-        </p:nvPicPr>
-        <p:blipFill>
-          <a:blip r:embed="rId4"/>
-          <a:stretch>
-            <a:fillRect/>
-          </a:stretch>
-        </p:blipFill>
-        <p:spPr>
-          <a:xfrm>
-            <a:off x="457200" y="3285379"/>
-            <a:ext cx="7992443" cy="2317203"/>
-          </a:xfrm>
-          <a:prstGeom prst="rect">
-            <a:avLst/>
-          </a:prstGeom>
-        </p:spPr>
-      </p:pic>
       <p:sp>
         <p:nvSpPr>
-          <p:cNvPr id="4" name="Content Placeholder 3"/>
+          <p:cNvPr id="3" name="Content Placeholder 2"/>
           <p:cNvSpPr>
             <a:spLocks noGrp="1"/>
           </p:cNvSpPr>
@@ -3968,32 +3810,131 @@
             <p:ph idx="1"/>
           </p:nvPr>
         </p:nvSpPr>
-        <p:spPr/>
+        <p:spPr>
+          <a:xfrm>
+            <a:off x="628650" y="1486612"/>
+            <a:ext cx="7740650" cy="4123613"/>
+          </a:xfrm>
+        </p:spPr>
         <p:txBody>
-          <a:bodyPr/>
+          <a:bodyPr>
+            <a:normAutofit lnSpcReduction="10000"/>
+          </a:bodyPr>
           <a:lstStyle/>
           <a:p>
-            <a:endParaRPr lang="en-US"/>
+            <a:r>
+              <a:rPr lang="en-US" dirty="0"/>
+              <a:t>Open source</a:t>
+            </a:r>
+          </a:p>
+          <a:p>
+            <a:r>
+              <a:rPr lang="en-US" dirty="0"/>
+              <a:t>TICK stack (</a:t>
+            </a:r>
+            <a:r>
+              <a:rPr lang="en-US" dirty="0" err="1"/>
+              <a:t>Telegraf</a:t>
+            </a:r>
+            <a:r>
+              <a:rPr lang="en-US" dirty="0"/>
+              <a:t>, </a:t>
+            </a:r>
+            <a:r>
+              <a:rPr lang="en-US" dirty="0" err="1"/>
+              <a:t>Influxdb</a:t>
+            </a:r>
+            <a:r>
+              <a:rPr lang="en-US" dirty="0"/>
+              <a:t>, </a:t>
+            </a:r>
+            <a:r>
+              <a:rPr lang="en-US" dirty="0" err="1"/>
+              <a:t>Chronograf</a:t>
+            </a:r>
+            <a:r>
+              <a:rPr lang="en-US" dirty="0"/>
+              <a:t>, </a:t>
+            </a:r>
+            <a:r>
+              <a:rPr lang="en-US" dirty="0" err="1"/>
+              <a:t>Kapacitor</a:t>
+            </a:r>
+            <a:r>
+              <a:rPr lang="en-US" dirty="0"/>
+              <a:t>)</a:t>
+            </a:r>
+          </a:p>
+          <a:p>
+            <a:r>
+              <a:rPr lang="en-US" dirty="0"/>
+              <a:t>Horizontally scalable (paid for product). </a:t>
+            </a:r>
+          </a:p>
+          <a:p>
+            <a:r>
+              <a:rPr lang="en-US" dirty="0"/>
+              <a:t>3 Meta nodes, 2+ data nodes.</a:t>
+            </a:r>
+          </a:p>
+          <a:p>
+            <a:r>
+              <a:rPr lang="en-US" dirty="0"/>
+              <a:t>~250,000 inserts/sec, ~25 queries/sec on a single node.</a:t>
+            </a:r>
+          </a:p>
+          <a:p>
+            <a:r>
+              <a:rPr lang="en-US" dirty="0"/>
+              <a:t>Retention policy + # replicated copies.</a:t>
+            </a:r>
+          </a:p>
+          <a:p>
+            <a:r>
+              <a:rPr lang="en-US" dirty="0"/>
+              <a:t>Quorum: Write: one copy, Read: choice per sessions.</a:t>
+            </a:r>
+            <a:br>
+              <a:rPr lang="en-US" dirty="0"/>
+            </a:br>
+            <a:r>
+              <a:rPr lang="en-US" dirty="0"/>
+              <a:t>(biased towards heavy writes, light reads, AP)</a:t>
+            </a:r>
+          </a:p>
+          <a:p>
+            <a:r>
+              <a:rPr lang="en-US" dirty="0"/>
+              <a:t>SQL like syntax</a:t>
+            </a:r>
+          </a:p>
+          <a:p>
+            <a:r>
+              <a:rPr lang="en-US" dirty="0"/>
+              <a:t>Column store, compression, LSM tree (two component – memory + disk, defer index updates)</a:t>
+            </a:r>
+          </a:p>
+          <a:p>
+            <a:endParaRPr lang="en-US" dirty="0"/>
+          </a:p>
+          <a:p>
+            <a:endParaRPr lang="en-US" dirty="0"/>
+          </a:p>
+          <a:p>
+            <a:endParaRPr lang="en-US" dirty="0"/>
           </a:p>
         </p:txBody>
       </p:sp>
     </p:spTree>
     <p:extLst>
       <p:ext uri="{BB962C8B-B14F-4D97-AF65-F5344CB8AC3E}">
-        <p14:creationId xmlns:p14="http://schemas.microsoft.com/office/powerpoint/2010/main" val="546661988"/>
+        <p14:creationId xmlns:p14="http://schemas.microsoft.com/office/powerpoint/2010/main" val="1966175987"/>
       </p:ext>
     </p:extLst>
   </p:cSld>
   <p:clrMapOvr>
     <a:masterClrMapping/>
   </p:clrMapOvr>
-  <p:timing>
-    <p:tnLst>
-      <p:par>
-        <p:cTn id="1" dur="indefinite" restart="never" nodeType="tmRoot"/>
-      </p:par>
-    </p:tnLst>
-  </p:timing>
 </p:sld>
 </file>
 
@@ -4037,11 +3978,11 @@
           <a:lstStyle/>
           <a:p>
             <a:r>
-              <a:rPr lang="en-US" dirty="0" err="1" smtClean="0"/>
+              <a:rPr lang="en-US" dirty="0" err="1"/>
               <a:t>InfluxDB</a:t>
             </a:r>
             <a:r>
-              <a:rPr lang="en-US" dirty="0" smtClean="0"/>
+              <a:rPr lang="en-US" dirty="0"/>
               <a:t> Query Performance</a:t>
             </a:r>
             <a:endParaRPr lang="en-US" sz="4200" dirty="0"/>
@@ -4089,7 +4030,7 @@
           <a:graphicData uri="http://schemas.openxmlformats.org/presentationml/2006/ole">
             <mc:AlternateContent xmlns:mc="http://schemas.openxmlformats.org/markup-compatibility/2006">
               <mc:Choice xmlns:v="urn:schemas-microsoft-com:vml" Requires="v">
-                <p:oleObj spid="_x0000_s4126" name="Image" r:id="rId3" imgW="3962160" imgH="2346840" progId="Photoshop.Image.18">
+                <p:oleObj spid="_x0000_s4127" name="Image" r:id="rId3" imgW="3962160" imgH="2346840" progId="Photoshop.Image.18">
                   <p:embed/>
                 </p:oleObj>
               </mc:Choice>
@@ -4164,13 +4105,6 @@
   <p:clrMapOvr>
     <a:masterClrMapping/>
   </p:clrMapOvr>
-  <p:timing>
-    <p:tnLst>
-      <p:par>
-        <p:cTn id="1" dur="indefinite" restart="never" nodeType="tmRoot"/>
-      </p:par>
-    </p:tnLst>
-  </p:timing>
 </p:sld>
 </file>
 
@@ -4214,7 +4148,7 @@
           <a:lstStyle/>
           <a:p>
             <a:r>
-              <a:rPr lang="en-US" dirty="0" smtClean="0"/>
+              <a:rPr lang="en-US" dirty="0"/>
               <a:t>Grafana Dashboard</a:t>
             </a:r>
             <a:endParaRPr lang="en-US" sz="4200" dirty="0"/>
@@ -4273,7 +4207,7 @@
           <a:lstStyle/>
           <a:p>
             <a:r>
-              <a:rPr lang="en-US" dirty="0" smtClean="0">
+              <a:rPr lang="en-US" dirty="0">
                 <a:hlinkClick r:id="rId3"/>
               </a:rPr>
               <a:t>Grafana Dashboard</a:t>
@@ -4335,13 +4269,6 @@
   <p:clrMapOvr>
     <a:masterClrMapping/>
   </p:clrMapOvr>
-  <p:timing>
-    <p:tnLst>
-      <p:par>
-        <p:cTn id="1" dur="indefinite" restart="never" nodeType="tmRoot"/>
-      </p:par>
-    </p:tnLst>
-  </p:timing>
 </p:sld>
 </file>
 
@@ -4384,18 +4311,13 @@
           <a:p>
             <a:pPr algn="ctr"/>
             <a:r>
-              <a:rPr lang="en-US" dirty="0" smtClean="0">
+              <a:rPr lang="en-US" dirty="0">
                 <a:solidFill>
                   <a:srgbClr val="C28220"/>
                 </a:solidFill>
               </a:rPr>
               <a:t>Questions?</a:t>
             </a:r>
-            <a:endParaRPr lang="en-US" dirty="0">
-              <a:solidFill>
-                <a:srgbClr val="C28220"/>
-              </a:solidFill>
-            </a:endParaRPr>
           </a:p>
         </p:txBody>
       </p:sp>
@@ -4418,7 +4340,7 @@
         </p:spPr>
         <p:txBody>
           <a:bodyPr vert="horz" lIns="91440" tIns="45720" rIns="91440" bIns="45720" rtlCol="0">
-            <a:normAutofit fontScale="92500"/>
+            <a:normAutofit/>
           </a:bodyPr>
           <a:lstStyle>
             <a:lvl1pPr marL="0" indent="0" algn="l" defTabSz="457200" rtl="0" eaLnBrk="1" latinLnBrk="0" hangingPunct="1">
@@ -4575,49 +4497,49 @@
           </a:lstStyle>
           <a:p>
             <a:r>
-              <a:rPr lang="en-US" dirty="0" smtClean="0"/>
+              <a:rPr lang="en-US" dirty="0"/>
               <a:t>Thong Bui</a:t>
             </a:r>
           </a:p>
           <a:p>
             <a:r>
-              <a:rPr lang="en-US" dirty="0" smtClean="0"/>
+              <a:rPr lang="en-US" dirty="0"/>
               <a:t>Roy </a:t>
             </a:r>
             <a:r>
-              <a:rPr lang="en-US" dirty="0" err="1" smtClean="0"/>
+              <a:rPr lang="en-US" dirty="0" err="1"/>
               <a:t>Gvirtsman</a:t>
             </a:r>
-            <a:endParaRPr lang="en-US" dirty="0" smtClean="0"/>
-          </a:p>
-          <a:p>
-            <a:r>
-              <a:rPr lang="en-US" dirty="0" smtClean="0"/>
+            <a:endParaRPr lang="en-US" dirty="0"/>
+          </a:p>
+          <a:p>
+            <a:r>
+              <a:rPr lang="en-US" dirty="0"/>
               <a:t>Geoffrey Link</a:t>
             </a:r>
           </a:p>
           <a:p>
             <a:r>
-              <a:rPr lang="en-US" dirty="0" err="1" smtClean="0"/>
+              <a:rPr lang="en-US" dirty="0" err="1"/>
               <a:t>Zhongqiao</a:t>
             </a:r>
             <a:r>
-              <a:rPr lang="en-US" dirty="0" smtClean="0"/>
+              <a:rPr lang="en-US" dirty="0"/>
               <a:t> </a:t>
             </a:r>
             <a:r>
-              <a:rPr lang="en-US" dirty="0" err="1" smtClean="0"/>
+              <a:rPr lang="en-US" dirty="0" err="1"/>
               <a:t>Jin</a:t>
             </a:r>
-            <a:endParaRPr lang="en-US" dirty="0" smtClean="0"/>
-          </a:p>
-          <a:p>
-            <a:r>
-              <a:rPr lang="en-US" dirty="0" smtClean="0"/>
+            <a:endParaRPr lang="en-US" dirty="0"/>
+          </a:p>
+          <a:p>
+            <a:r>
+              <a:rPr lang="en-US" dirty="0"/>
               <a:t>Happiness </a:t>
             </a:r>
             <a:r>
-              <a:rPr lang="en-US" dirty="0" err="1" smtClean="0"/>
+              <a:rPr lang="en-US" dirty="0" err="1"/>
               <a:t>Munedzimwe</a:t>
             </a:r>
             <a:endParaRPr lang="en-US" dirty="0"/>
@@ -4844,13 +4766,6 @@
   <p:clrMapOvr>
     <a:masterClrMapping/>
   </p:clrMapOvr>
-  <p:timing>
-    <p:tnLst>
-      <p:par>
-        <p:cTn id="1" dur="indefinite" restart="never" nodeType="tmRoot"/>
-      </p:par>
-    </p:tnLst>
-  </p:timing>
 </p:sld>
 </file>
 
@@ -4895,16 +4810,8 @@
           <a:p>
             <a:pPr algn="ctr"/>
             <a:r>
-              <a:rPr lang="en-US" dirty="0" smtClean="0"/>
-              <a:t>What </a:t>
-            </a:r>
-            <a:r>
-              <a:rPr lang="en-US" dirty="0"/>
-              <a:t>is </a:t>
-            </a:r>
-            <a:r>
-              <a:rPr lang="en-US" dirty="0" smtClean="0"/>
-              <a:t>Telemetry?</a:t>
+              <a:rPr lang="en-US" dirty="0"/>
+              <a:t>What is Telemetry?</a:t>
             </a:r>
             <a:endParaRPr lang="en-US" sz="4200" dirty="0"/>
           </a:p>
@@ -4928,44 +4835,32 @@
         </p:spPr>
         <p:txBody>
           <a:bodyPr>
-            <a:normAutofit lnSpcReduction="10000"/>
+            <a:normAutofit/>
           </a:bodyPr>
           <a:lstStyle/>
           <a:p>
-            <a:endParaRPr lang="en-US" dirty="0" smtClean="0"/>
-          </a:p>
-          <a:p>
-            <a:r>
-              <a:rPr lang="en-US" dirty="0" smtClean="0"/>
-              <a:t>A </a:t>
-            </a:r>
-            <a:r>
-              <a:rPr lang="en-US" dirty="0"/>
-              <a:t>collection of </a:t>
-            </a:r>
-            <a:r>
-              <a:rPr lang="en-US" dirty="0" smtClean="0"/>
-              <a:t>sensor reads over time</a:t>
-            </a:r>
-          </a:p>
-          <a:p>
             <a:endParaRPr lang="en-US" dirty="0"/>
           </a:p>
           <a:p>
             <a:r>
               <a:rPr lang="en-US" dirty="0"/>
-              <a:t>Regular </a:t>
-            </a:r>
-            <a:r>
-              <a:rPr lang="en-US" dirty="0" smtClean="0"/>
-              <a:t>or Irregular Reads (</a:t>
-            </a:r>
-            <a:r>
-              <a:rPr lang="en-US" dirty="0" err="1" smtClean="0"/>
+              <a:t>A collection of sensor reads over time</a:t>
+            </a:r>
+          </a:p>
+          <a:p>
+            <a:endParaRPr lang="en-US" dirty="0"/>
+          </a:p>
+          <a:p>
+            <a:r>
+              <a:rPr lang="en-US" dirty="0"/>
+              <a:t>Regular or Irregular Reads (</a:t>
+            </a:r>
+            <a:r>
+              <a:rPr lang="en-US" dirty="0" err="1"/>
               <a:t>eg</a:t>
             </a:r>
             <a:r>
-              <a:rPr lang="en-US" dirty="0" smtClean="0"/>
+              <a:rPr lang="en-US" dirty="0"/>
               <a:t>., storm outages)</a:t>
             </a:r>
           </a:p>
@@ -4974,24 +4869,8 @@
           </a:p>
           <a:p>
             <a:r>
-              <a:rPr lang="en-US" dirty="0" smtClean="0"/>
-              <a:t>Key-Value pairs:  { </a:t>
-            </a:r>
-            <a:r>
-              <a:rPr lang="en-US" dirty="0"/>
-              <a:t>“point”:  180, “epoch”: 1234567, </a:t>
-            </a:r>
-            <a:r>
-              <a:rPr lang="en-US" dirty="0" smtClean="0"/>
-              <a:t>“value”: </a:t>
-            </a:r>
-            <a:r>
-              <a:rPr lang="en-US" dirty="0"/>
-              <a:t>14.6</a:t>
-            </a:r>
-            <a:r>
-              <a:rPr lang="en-US" dirty="0" smtClean="0"/>
-              <a:t>}</a:t>
+              <a:rPr lang="en-US" dirty="0"/>
+              <a:t>Key-Value pairs:  { “point”:  180, “epoch”: 1234567, “value”: 14.6}</a:t>
             </a:r>
           </a:p>
           <a:p>
@@ -5002,18 +4881,9 @@
           </a:p>
           <a:p>
             <a:r>
-              <a:rPr lang="en-US" dirty="0" smtClean="0"/>
-              <a:t>Examples: Temperature</a:t>
-            </a:r>
-            <a:r>
-              <a:rPr lang="en-US" dirty="0"/>
-              <a:t>, Wind </a:t>
-            </a:r>
-            <a:r>
-              <a:rPr lang="en-US" dirty="0" smtClean="0"/>
-              <a:t>Direction, Alerts, GPS Coordinates</a:t>
-            </a:r>
-            <a:endParaRPr lang="en-US" dirty="0"/>
+              <a:rPr lang="en-US" dirty="0"/>
+              <a:t>Examples: Temperature, Wind Direction, Alerts, GPS Coordinates</a:t>
+            </a:r>
           </a:p>
         </p:txBody>
       </p:sp>
@@ -5057,13 +4927,6 @@
   <p:clrMapOvr>
     <a:masterClrMapping/>
   </p:clrMapOvr>
-  <p:timing>
-    <p:tnLst>
-      <p:par>
-        <p:cTn id="1" dur="indefinite" restart="never" nodeType="tmRoot"/>
-      </p:par>
-    </p:tnLst>
-  </p:timing>
 </p:sld>
 </file>
 
@@ -5109,19 +4972,7 @@
             <a:pPr algn="ctr"/>
             <a:r>
               <a:rPr lang="en-US" dirty="0"/>
-              <a:t>How is </a:t>
-            </a:r>
-            <a:r>
-              <a:rPr lang="en-US" dirty="0" smtClean="0"/>
-              <a:t>Telemetry </a:t>
-            </a:r>
-            <a:r>
-              <a:rPr lang="en-US" dirty="0"/>
-              <a:t>used</a:t>
-            </a:r>
-            <a:r>
-              <a:rPr lang="en-US" dirty="0" smtClean="0"/>
-              <a:t>?</a:t>
+              <a:t>How is Telemetry used?</a:t>
             </a:r>
             <a:endParaRPr lang="en-US" sz="4200" dirty="0"/>
           </a:p>
@@ -5150,7 +5001,7 @@
           <a:lstStyle/>
           <a:p>
             <a:r>
-              <a:rPr lang="en-US" dirty="0" smtClean="0"/>
+              <a:rPr lang="en-US" dirty="0"/>
               <a:t>Monitor and Control </a:t>
             </a:r>
           </a:p>
@@ -5159,16 +5010,8 @@
           </a:p>
           <a:p>
             <a:r>
-              <a:rPr lang="en-US" dirty="0" smtClean="0"/>
-              <a:t>SCADA or </a:t>
-            </a:r>
-            <a:r>
-              <a:rPr lang="en-US" dirty="0"/>
-              <a:t>Supervisory Control and Data </a:t>
-            </a:r>
-            <a:r>
-              <a:rPr lang="en-US" dirty="0" smtClean="0"/>
-              <a:t>Acquisition</a:t>
+              <a:rPr lang="en-US" dirty="0"/>
+              <a:t>SCADA or Supervisory Control and Data Acquisition</a:t>
             </a:r>
           </a:p>
           <a:p>
@@ -5177,19 +5020,7 @@
           <a:p>
             <a:r>
               <a:rPr lang="en-US" dirty="0"/>
-              <a:t>Alerts, </a:t>
-            </a:r>
-            <a:r>
-              <a:rPr lang="en-US" dirty="0" smtClean="0"/>
-              <a:t>Troubleshooting</a:t>
-            </a:r>
-            <a:r>
-              <a:rPr lang="en-US" dirty="0"/>
-              <a:t>, </a:t>
-            </a:r>
-            <a:r>
-              <a:rPr lang="en-US" dirty="0" smtClean="0"/>
-              <a:t>Emergency Response</a:t>
+              <a:t>Alerts, Troubleshooting, Emergency Response</a:t>
             </a:r>
           </a:p>
           <a:p>
@@ -5198,11 +5029,7 @@
           <a:p>
             <a:r>
               <a:rPr lang="en-US" dirty="0"/>
-              <a:t>Operational efficiency: KPI, </a:t>
-            </a:r>
-            <a:r>
-              <a:rPr lang="en-US" dirty="0" smtClean="0"/>
-              <a:t>Decision Support</a:t>
+              <a:t>Operational efficiency: KPI, Decision Support</a:t>
             </a:r>
           </a:p>
           <a:p>
@@ -5259,13 +5086,6 @@
   <p:clrMapOvr>
     <a:masterClrMapping/>
   </p:clrMapOvr>
-  <p:timing>
-    <p:tnLst>
-      <p:par>
-        <p:cTn id="1" dur="indefinite" restart="never" nodeType="tmRoot"/>
-      </p:par>
-    </p:tnLst>
-  </p:timing>
 </p:sld>
 </file>
 
@@ -5310,7 +5130,7 @@
           <a:p>
             <a:pPr algn="ctr"/>
             <a:r>
-              <a:rPr lang="en-US" dirty="0" smtClean="0"/>
+              <a:rPr lang="en-US" dirty="0"/>
               <a:t>KAPACITOR &amp; SLACK</a:t>
             </a:r>
             <a:endParaRPr lang="en-US" sz="4200" dirty="0"/>
@@ -5442,7 +5262,7 @@
           <a:p>
             <a:pPr algn="ctr"/>
             <a:r>
-              <a:rPr lang="en-US" dirty="0" smtClean="0">
+              <a:rPr lang="en-US" dirty="0">
                 <a:hlinkClick r:id="rId6"/>
               </a:rPr>
               <a:t>Kapacitor Alerting Rules</a:t>
@@ -5477,13 +5297,7 @@
               <a:rPr lang="en-US" dirty="0">
                 <a:hlinkClick r:id="rId7"/>
               </a:rPr>
-              <a:t>k</a:t>
-            </a:r>
-            <a:r>
-              <a:rPr lang="en-US" dirty="0" smtClean="0">
-                <a:hlinkClick r:id="rId7"/>
-              </a:rPr>
-              <a:t>apacitor_alerts3 Slack Channel</a:t>
+              <a:t>kapacitor_alerts3 Slack Channel</a:t>
             </a:r>
             <a:endParaRPr lang="en-US" dirty="0"/>
           </a:p>
@@ -5499,13 +5313,6 @@
   <p:clrMapOvr>
     <a:masterClrMapping/>
   </p:clrMapOvr>
-  <p:timing>
-    <p:tnLst>
-      <p:par>
-        <p:cTn id="1" dur="indefinite" restart="never" nodeType="tmRoot"/>
-      </p:par>
-    </p:tnLst>
-  </p:timing>
 </p:sld>
 </file>
 
@@ -5550,12 +5357,8 @@
           <a:p>
             <a:pPr algn="ctr"/>
             <a:r>
-              <a:rPr lang="en-US" dirty="0" smtClean="0"/>
-              <a:t>Target </a:t>
-            </a:r>
-            <a:r>
-              <a:rPr lang="en-US" dirty="0"/>
-              <a:t>Audience &amp; Usage</a:t>
+              <a:rPr lang="en-US" dirty="0"/>
+              <a:t>Target Audience &amp; Usage</a:t>
             </a:r>
             <a:endParaRPr lang="en-US" sz="4200" dirty="0"/>
           </a:p>
@@ -5599,11 +5402,7 @@
             <a:pPr lvl="1"/>
             <a:r>
               <a:rPr lang="en-US" dirty="0"/>
-              <a:t>Troubleshoot and recover from equipment </a:t>
-            </a:r>
-            <a:r>
-              <a:rPr lang="en-US" dirty="0" smtClean="0"/>
-              <a:t>failures</a:t>
+              <a:t>Troubleshoot and recover from equipment failures</a:t>
             </a:r>
           </a:p>
           <a:p>
@@ -5622,15 +5421,7 @@
             <a:pPr lvl="1"/>
             <a:r>
               <a:rPr lang="en-US" dirty="0"/>
-              <a:t>Monitor </a:t>
-            </a:r>
-            <a:r>
-              <a:rPr lang="en-US" dirty="0" smtClean="0"/>
-              <a:t>operator </a:t>
-            </a:r>
-            <a:r>
-              <a:rPr lang="en-US" dirty="0"/>
-              <a:t>efficiency</a:t>
+              <a:t>Monitor operator efficiency</a:t>
             </a:r>
           </a:p>
           <a:p>
@@ -5651,11 +5442,7 @@
             <a:pPr lvl="1"/>
             <a:r>
               <a:rPr lang="en-US" dirty="0"/>
-              <a:t>Handle escalated operational </a:t>
-            </a:r>
-            <a:r>
-              <a:rPr lang="en-US" dirty="0" smtClean="0"/>
-              <a:t>issues</a:t>
+              <a:t>Handle escalated operational issues</a:t>
             </a:r>
           </a:p>
           <a:p>
@@ -5680,12 +5467,8 @@
           <a:p>
             <a:pPr lvl="1"/>
             <a:r>
-              <a:rPr lang="en-US" dirty="0" smtClean="0"/>
-              <a:t>Respond </a:t>
-            </a:r>
-            <a:r>
-              <a:rPr lang="en-US" dirty="0"/>
-              <a:t>to grid operator’s instructions</a:t>
+              <a:rPr lang="en-US" dirty="0"/>
+              <a:t>Respond to grid operator’s instructions</a:t>
             </a:r>
           </a:p>
           <a:p>
@@ -5748,7 +5531,7 @@
           <a:lstStyle/>
           <a:p>
             <a:r>
-              <a:rPr lang="en-US" dirty="0" smtClean="0">
+              <a:rPr lang="en-US" dirty="0">
                 <a:hlinkClick r:id="rId3"/>
               </a:rPr>
               <a:t>Chronograf Host List</a:t>
@@ -5779,7 +5562,7 @@
           <a:lstStyle/>
           <a:p>
             <a:r>
-              <a:rPr lang="en-US" dirty="0" smtClean="0">
+              <a:rPr lang="en-US" dirty="0">
                 <a:hlinkClick r:id="rId4"/>
               </a:rPr>
               <a:t>Cricket001</a:t>
@@ -5822,13 +5605,6 @@
   <p:clrMapOvr>
     <a:masterClrMapping/>
   </p:clrMapOvr>
-  <p:timing>
-    <p:tnLst>
-      <p:par>
-        <p:cTn id="1" dur="indefinite" restart="never" nodeType="tmRoot"/>
-      </p:par>
-    </p:tnLst>
-  </p:timing>
 </p:sld>
 </file>
 
@@ -5873,7 +5649,7 @@
           <a:p>
             <a:pPr algn="ctr"/>
             <a:r>
-              <a:rPr lang="en-US" dirty="0" smtClean="0"/>
+              <a:rPr lang="en-US" dirty="0"/>
               <a:t>Project Objectives</a:t>
             </a:r>
             <a:endParaRPr lang="en-US" sz="4200" dirty="0"/>
@@ -5898,12 +5674,12 @@
         </p:spPr>
         <p:txBody>
           <a:bodyPr>
-            <a:normAutofit fontScale="92500" lnSpcReduction="20000"/>
+            <a:normAutofit fontScale="92500" lnSpcReduction="10000"/>
           </a:bodyPr>
           <a:lstStyle/>
           <a:p>
             <a:r>
-              <a:rPr lang="en-US" dirty="0" smtClean="0"/>
+              <a:rPr lang="en-US" dirty="0"/>
               <a:t>Create a reporting framework that has the ability to ingest billions of reads from tens of thousands of devices (noisy crickets)</a:t>
             </a:r>
           </a:p>
@@ -5913,11 +5689,7 @@
           <a:p>
             <a:r>
               <a:rPr lang="en-US" dirty="0"/>
-              <a:t>E</a:t>
-            </a:r>
-            <a:r>
-              <a:rPr lang="en-US" dirty="0" smtClean="0"/>
-              <a:t>asily scalable</a:t>
+              <a:t>Easily scalable</a:t>
             </a:r>
           </a:p>
           <a:p>
@@ -5925,7 +5697,7 @@
           </a:p>
           <a:p>
             <a:r>
-              <a:rPr lang="en-US" dirty="0" smtClean="0"/>
+              <a:rPr lang="en-US" dirty="0"/>
               <a:t>Fully Hosted in the Cloud (Zero Cap-Ex Platform)</a:t>
             </a:r>
           </a:p>
@@ -5934,7 +5706,7 @@
           </a:p>
           <a:p>
             <a:r>
-              <a:rPr lang="en-US" dirty="0" smtClean="0"/>
+              <a:rPr lang="en-US" dirty="0"/>
               <a:t>Use only open-source tools</a:t>
             </a:r>
           </a:p>
@@ -5943,12 +5715,12 @@
           </a:p>
           <a:p>
             <a:r>
-              <a:rPr lang="en-US" dirty="0" smtClean="0"/>
+              <a:rPr lang="en-US" dirty="0"/>
               <a:t>Each device (or cricket) will emit a basic output that can be transmitted over Radio Frequency or Wi-Fi or Cellular</a:t>
             </a:r>
           </a:p>
           <a:p>
-            <a:endParaRPr lang="en-US" dirty="0" smtClean="0"/>
+            <a:endParaRPr lang="en-US" dirty="0"/>
           </a:p>
           <a:p>
             <a:endParaRPr lang="en-US" dirty="0"/>
@@ -5995,13 +5767,6 @@
   <p:clrMapOvr>
     <a:masterClrMapping/>
   </p:clrMapOvr>
-  <p:timing>
-    <p:tnLst>
-      <p:par>
-        <p:cTn id="1" dur="indefinite" restart="never" nodeType="tmRoot"/>
-      </p:par>
-    </p:tnLst>
-  </p:timing>
 </p:sld>
 </file>
 
@@ -6046,16 +5811,8 @@
           <a:p>
             <a:pPr algn="ctr"/>
             <a:r>
-              <a:rPr lang="en-US" dirty="0" smtClean="0"/>
-              <a:t>Data </a:t>
-            </a:r>
-            <a:r>
-              <a:rPr lang="en-US" dirty="0"/>
-              <a:t>processing </a:t>
-            </a:r>
-            <a:r>
-              <a:rPr lang="en-US" dirty="0" smtClean="0"/>
-              <a:t>requirements</a:t>
+              <a:rPr lang="en-US" dirty="0"/>
+              <a:t>Data processing requirements</a:t>
             </a:r>
             <a:endParaRPr lang="en-US" sz="4200" dirty="0"/>
           </a:p>
@@ -6084,62 +5841,55 @@
           <a:lstStyle/>
           <a:p>
             <a:r>
-              <a:rPr lang="en-US" dirty="0" smtClean="0"/>
+              <a:rPr lang="en-US" dirty="0"/>
               <a:t>Data Generation				(Python Crickets and </a:t>
             </a:r>
             <a:r>
-              <a:rPr lang="en-US" dirty="0" err="1" smtClean="0"/>
+              <a:rPr lang="en-US" dirty="0" err="1"/>
               <a:t>Softlayer</a:t>
             </a:r>
             <a:r>
-              <a:rPr lang="en-US" dirty="0" smtClean="0"/>
+              <a:rPr lang="en-US" dirty="0"/>
               <a:t>)</a:t>
             </a:r>
           </a:p>
           <a:p>
             <a:r>
-              <a:rPr lang="en-US" dirty="0" smtClean="0"/>
+              <a:rPr lang="en-US" dirty="0"/>
               <a:t>Data Summarization			(Grafana)</a:t>
             </a:r>
-            <a:endParaRPr lang="en-US" dirty="0"/>
-          </a:p>
-          <a:p>
-            <a:r>
-              <a:rPr lang="en-US" dirty="0" smtClean="0"/>
+          </a:p>
+          <a:p>
+            <a:r>
+              <a:rPr lang="en-US" dirty="0"/>
               <a:t>Graphing and Reporting		(Capacitor and D3.js)</a:t>
             </a:r>
-            <a:endParaRPr lang="en-US" dirty="0"/>
-          </a:p>
-          <a:p>
-            <a:r>
-              <a:rPr lang="en-US" dirty="0"/>
-              <a:t>Retention </a:t>
-            </a:r>
-            <a:r>
-              <a:rPr lang="en-US" dirty="0" smtClean="0"/>
-              <a:t>policy				(</a:t>
-            </a:r>
-            <a:r>
-              <a:rPr lang="en-US" dirty="0" err="1" smtClean="0"/>
+          </a:p>
+          <a:p>
+            <a:r>
+              <a:rPr lang="en-US" dirty="0"/>
+              <a:t>Retention policy				(</a:t>
+            </a:r>
+            <a:r>
+              <a:rPr lang="en-US" dirty="0" err="1"/>
               <a:t>InfluxDB</a:t>
             </a:r>
             <a:r>
-              <a:rPr lang="en-US" dirty="0" smtClean="0"/>
+              <a:rPr lang="en-US" dirty="0"/>
               <a:t>, 365 Days)</a:t>
             </a:r>
-            <a:endParaRPr lang="en-US" dirty="0"/>
-          </a:p>
-          <a:p>
-            <a:r>
-              <a:rPr lang="en-US" dirty="0" smtClean="0"/>
+          </a:p>
+          <a:p>
+            <a:r>
+              <a:rPr lang="en-US" dirty="0"/>
               <a:t>Resilient and Scalable			(</a:t>
             </a:r>
             <a:r>
-              <a:rPr lang="en-US" dirty="0" err="1" smtClean="0"/>
+              <a:rPr lang="en-US" dirty="0" err="1"/>
               <a:t>InfluxDB</a:t>
             </a:r>
             <a:r>
-              <a:rPr lang="en-US" dirty="0" smtClean="0"/>
+              <a:rPr lang="en-US" dirty="0"/>
               <a:t>, n-nodes)</a:t>
             </a:r>
             <a:endParaRPr lang="en-US" dirty="0">
@@ -6150,32 +5900,27 @@
           </a:p>
           <a:p>
             <a:r>
-              <a:rPr lang="en-US" dirty="0" smtClean="0"/>
+              <a:rPr lang="en-US" dirty="0"/>
               <a:t>Event Subscription				(Slack instead of email)</a:t>
             </a:r>
-            <a:endParaRPr lang="en-US" dirty="0"/>
-          </a:p>
-          <a:p>
-            <a:r>
-              <a:rPr lang="en-US" dirty="0" smtClean="0"/>
+          </a:p>
+          <a:p>
+            <a:r>
+              <a:rPr lang="en-US" dirty="0"/>
               <a:t>Alerts and Notifications 		(</a:t>
             </a:r>
             <a:r>
-              <a:rPr lang="en-US" dirty="0" err="1" smtClean="0"/>
+              <a:rPr lang="en-US" dirty="0" err="1"/>
               <a:t>Telegraf</a:t>
             </a:r>
             <a:r>
-              <a:rPr lang="en-US" dirty="0" smtClean="0"/>
-              <a:t> and Kapacitor</a:t>
-            </a:r>
-            <a:r>
-              <a:rPr lang="en-US" dirty="0"/>
-              <a:t>)</a:t>
-            </a:r>
-          </a:p>
-          <a:p>
-            <a:r>
-              <a:rPr lang="en-US" dirty="0" smtClean="0"/>
+              <a:rPr lang="en-US" dirty="0"/>
+              <a:t> and Kapacitor)</a:t>
+            </a:r>
+          </a:p>
+          <a:p>
+            <a:r>
+              <a:rPr lang="en-US" dirty="0"/>
               <a:t>Predictive Maintenance		(K-Means and Neural Networks)</a:t>
             </a:r>
           </a:p>
@@ -6224,13 +5969,6 @@
   <p:clrMapOvr>
     <a:masterClrMapping/>
   </p:clrMapOvr>
-  <p:timing>
-    <p:tnLst>
-      <p:par>
-        <p:cTn id="1" dur="indefinite" restart="never" nodeType="tmRoot"/>
-      </p:par>
-    </p:tnLst>
-  </p:timing>
 </p:sld>
 </file>
 
@@ -6275,7 +6013,7 @@
           <a:p>
             <a:pPr algn="ctr"/>
             <a:r>
-              <a:rPr lang="en-US" dirty="0" smtClean="0"/>
+              <a:rPr lang="en-US" dirty="0"/>
               <a:t>What is a cricket?  Edge Computing!</a:t>
             </a:r>
             <a:endParaRPr lang="en-US" sz="4200" dirty="0"/>
@@ -6501,44 +6239,31 @@
             </a:lvl9pPr>
           </a:lstStyle>
           <a:p>
-            <a:endParaRPr lang="en-US" dirty="0" smtClean="0"/>
-          </a:p>
-          <a:p>
-            <a:r>
-              <a:rPr lang="en-US" dirty="0" smtClean="0"/>
+            <a:endParaRPr lang="en-US" dirty="0"/>
+          </a:p>
+          <a:p>
+            <a:r>
+              <a:rPr lang="en-US" dirty="0"/>
               <a:t>A Cricket is a device that can transmit data over Radio Frequency or Wi-Fi or Cellular</a:t>
             </a:r>
           </a:p>
           <a:p>
-            <a:endParaRPr lang="en-US" dirty="0" smtClean="0"/>
-          </a:p>
-          <a:p>
-            <a:r>
-              <a:rPr lang="en-US" dirty="0" smtClean="0"/>
+            <a:endParaRPr lang="en-US" dirty="0"/>
+          </a:p>
+          <a:p>
+            <a:r>
+              <a:rPr lang="en-US" dirty="0"/>
               <a:t>A common example is the highly versatile Raspberry Pi ($30).</a:t>
             </a:r>
           </a:p>
           <a:p>
-            <a:endParaRPr lang="en-US" dirty="0" smtClean="0"/>
-          </a:p>
-          <a:p>
-            <a:r>
-              <a:rPr lang="en-US" dirty="0"/>
-              <a:t>Raspberry Pi Sense HAT with Orientation, Pressure, </a:t>
-            </a:r>
-            <a:r>
-              <a:rPr lang="en-US" dirty="0" smtClean="0"/>
-              <a:t>Humidity, and </a:t>
-            </a:r>
-            <a:r>
-              <a:rPr lang="en-US" dirty="0"/>
-              <a:t>Temperature </a:t>
-            </a:r>
-            <a:r>
-              <a:rPr lang="en-US" dirty="0" smtClean="0"/>
-              <a:t>Sensors ($30).</a:t>
-            </a:r>
             <a:endParaRPr lang="en-US" dirty="0"/>
+          </a:p>
+          <a:p>
+            <a:r>
+              <a:rPr lang="en-US" dirty="0"/>
+              <a:t>Raspberry Pi Sense HAT with Orientation, Pressure, Humidity, and Temperature Sensors ($30).</a:t>
+            </a:r>
           </a:p>
         </p:txBody>
       </p:sp>
@@ -6623,13 +6348,6 @@
   <p:clrMapOvr>
     <a:masterClrMapping/>
   </p:clrMapOvr>
-  <p:timing>
-    <p:tnLst>
-      <p:par>
-        <p:cTn id="1" dur="indefinite" restart="never" nodeType="tmRoot"/>
-      </p:par>
-    </p:tnLst>
-  </p:timing>
 </p:sld>
 </file>
 
@@ -6674,7 +6392,7 @@
           <a:p>
             <a:pPr algn="ctr"/>
             <a:r>
-              <a:rPr lang="en-US" dirty="0" smtClean="0"/>
+              <a:rPr lang="en-US" dirty="0"/>
               <a:t>Did we buy 10,000 Raspberry Pi?  No.</a:t>
             </a:r>
             <a:endParaRPr lang="en-US" sz="4200" dirty="0"/>
@@ -6700,7 +6418,7 @@
         </p:spPr>
         <p:txBody>
           <a:bodyPr vert="horz" lIns="91440" tIns="45720" rIns="91440" bIns="45720" rtlCol="0">
-            <a:normAutofit fontScale="92500"/>
+            <a:normAutofit/>
           </a:bodyPr>
           <a:lstStyle>
             <a:lvl1pPr marL="342900" indent="-342900" algn="l" defTabSz="457200" rtl="0" eaLnBrk="1" latinLnBrk="0" hangingPunct="1">
@@ -6841,21 +6559,20 @@
           </a:lstStyle>
           <a:p>
             <a:r>
-              <a:rPr lang="en-US" dirty="0" smtClean="0"/>
+              <a:rPr lang="en-US" dirty="0"/>
               <a:t>We used </a:t>
             </a:r>
             <a:r>
-              <a:rPr lang="en-US" dirty="0" err="1" smtClean="0"/>
+              <a:rPr lang="en-US" dirty="0" err="1"/>
               <a:t>Softlayer</a:t>
             </a:r>
             <a:r>
-              <a:rPr lang="en-US" dirty="0" smtClean="0"/>
+              <a:rPr lang="en-US" dirty="0"/>
               <a:t> Cloud to simulate crickets across the globe.</a:t>
             </a:r>
+          </a:p>
+          <a:p>
             <a:endParaRPr lang="en-US" dirty="0"/>
-          </a:p>
-          <a:p>
-            <a:endParaRPr lang="en-US" dirty="0" smtClean="0"/>
           </a:p>
         </p:txBody>
       </p:sp>
@@ -7053,13 +6770,8 @@
             </a:pPr>
             <a:r>
               <a:rPr lang="it-IT" dirty="0"/>
-              <a:t>Amsterdam 01	</a:t>
-            </a:r>
-            <a:r>
-              <a:rPr lang="it-IT" dirty="0" smtClean="0"/>
-              <a:t>ams01</a:t>
-            </a:r>
-            <a:endParaRPr lang="it-IT" dirty="0"/>
+              <a:t>Amsterdam 01	ams01</a:t>
+            </a:r>
           </a:p>
           <a:p>
             <a:pPr marL="0" indent="0">
@@ -7067,13 +6779,8 @@
             </a:pPr>
             <a:r>
               <a:rPr lang="it-IT" dirty="0"/>
-              <a:t>Amsterdam 03	</a:t>
-            </a:r>
-            <a:r>
-              <a:rPr lang="it-IT" dirty="0" smtClean="0"/>
-              <a:t>ams03</a:t>
-            </a:r>
-            <a:endParaRPr lang="it-IT" dirty="0"/>
+              <a:t>Amsterdam 03	ams03</a:t>
+            </a:r>
           </a:p>
           <a:p>
             <a:pPr marL="0" indent="0">
@@ -7081,13 +6788,8 @@
             </a:pPr>
             <a:r>
               <a:rPr lang="it-IT" dirty="0"/>
-              <a:t>Chennai		</a:t>
-            </a:r>
-            <a:r>
-              <a:rPr lang="it-IT" dirty="0" smtClean="0"/>
-              <a:t>che01</a:t>
-            </a:r>
-            <a:endParaRPr lang="it-IT" dirty="0"/>
+              <a:t>Chennai		che01</a:t>
+            </a:r>
           </a:p>
           <a:p>
             <a:pPr marL="0" indent="0">
@@ -7158,13 +6860,8 @@
             </a:pPr>
             <a:r>
               <a:rPr lang="it-IT" dirty="0"/>
-              <a:t>Dallas 12		</a:t>
-            </a:r>
-            <a:r>
-              <a:rPr lang="it-IT" dirty="0" smtClean="0"/>
-              <a:t>dal12</a:t>
-            </a:r>
-            <a:endParaRPr lang="it-IT" dirty="0"/>
+              <a:t>Dallas 12		dal12</a:t>
+            </a:r>
           </a:p>
         </p:txBody>
       </p:sp>
@@ -7359,13 +7056,8 @@
             </a:pPr>
             <a:r>
               <a:rPr lang="en-US" dirty="0"/>
-              <a:t>Houston		</a:t>
-            </a:r>
-            <a:r>
-              <a:rPr lang="en-US" dirty="0" smtClean="0"/>
-              <a:t>hou02</a:t>
-            </a:r>
-            <a:endParaRPr lang="en-US" dirty="0"/>
+              <a:t>Houston		hou02</a:t>
+            </a:r>
           </a:p>
           <a:p>
             <a:pPr marL="0" indent="0">
@@ -7373,13 +7065,8 @@
             </a:pPr>
             <a:r>
               <a:rPr lang="en-US" dirty="0"/>
-              <a:t>London		</a:t>
-            </a:r>
-            <a:r>
-              <a:rPr lang="en-US" dirty="0" smtClean="0"/>
-              <a:t>lon02</a:t>
-            </a:r>
-            <a:endParaRPr lang="en-US" dirty="0"/>
+              <a:t>London		lon02</a:t>
+            </a:r>
           </a:p>
           <a:p>
             <a:pPr marL="0" indent="0">
@@ -7434,7 +7121,6 @@
               <a:rPr lang="en-US" dirty="0"/>
               <a:t>Querétaro		mex01</a:t>
             </a:r>
-            <a:endParaRPr lang="en-US" dirty="0" smtClean="0"/>
           </a:p>
         </p:txBody>
       </p:sp>
@@ -7601,20 +7287,8 @@
               <a:buNone/>
             </a:pPr>
             <a:r>
-              <a:rPr lang="en-US" dirty="0" smtClean="0"/>
-              <a:t>San </a:t>
-            </a:r>
-            <a:r>
-              <a:rPr lang="en-US" dirty="0"/>
-              <a:t>Jose 01	</a:t>
-            </a:r>
-            <a:r>
-              <a:rPr lang="en-US" dirty="0" smtClean="0"/>
-              <a:t>	</a:t>
-            </a:r>
-            <a:r>
-              <a:rPr lang="en-US" dirty="0"/>
-              <a:t>	sjc01</a:t>
+              <a:rPr lang="en-US" dirty="0"/>
+              <a:t>San Jose 01			sjc01</a:t>
             </a:r>
           </a:p>
           <a:p>
@@ -7622,20 +7296,8 @@
               <a:buNone/>
             </a:pPr>
             <a:r>
-              <a:rPr lang="en-US" dirty="0" smtClean="0"/>
-              <a:t>San </a:t>
-            </a:r>
-            <a:r>
-              <a:rPr lang="en-US" dirty="0"/>
-              <a:t>Jose 03	</a:t>
-            </a:r>
-            <a:r>
-              <a:rPr lang="en-US" dirty="0" smtClean="0"/>
-              <a:t>	</a:t>
-            </a:r>
-            <a:r>
-              <a:rPr lang="en-US" dirty="0"/>
-              <a:t>	sjc03</a:t>
+              <a:rPr lang="en-US" dirty="0"/>
+              <a:t>San Jose 03			sjc03</a:t>
             </a:r>
           </a:p>
           <a:p>
@@ -7644,15 +7306,7 @@
             </a:pPr>
             <a:r>
               <a:rPr lang="en-US" dirty="0"/>
-              <a:t>Sao Paulo	</a:t>
-            </a:r>
-            <a:r>
-              <a:rPr lang="en-US" dirty="0" smtClean="0"/>
-              <a:t>	</a:t>
-            </a:r>
-            <a:r>
-              <a:rPr lang="en-US" dirty="0"/>
-              <a:t>	sao01</a:t>
+              <a:t>Sao Paulo			sao01</a:t>
             </a:r>
           </a:p>
           <a:p>
@@ -7670,15 +7324,7 @@
             </a:pPr>
             <a:r>
               <a:rPr lang="en-US" dirty="0"/>
-              <a:t>Seoul 01	</a:t>
-            </a:r>
-            <a:r>
-              <a:rPr lang="en-US" dirty="0" smtClean="0"/>
-              <a:t>	</a:t>
-            </a:r>
-            <a:r>
-              <a:rPr lang="en-US" dirty="0"/>
-              <a:t>	seo01</a:t>
+              <a:t>Seoul 01			seo01</a:t>
             </a:r>
           </a:p>
           <a:p>
@@ -7687,15 +7333,7 @@
             </a:pPr>
             <a:r>
               <a:rPr lang="en-US" dirty="0"/>
-              <a:t>Singapore	</a:t>
-            </a:r>
-            <a:r>
-              <a:rPr lang="en-US" dirty="0" smtClean="0"/>
-              <a:t>	</a:t>
-            </a:r>
-            <a:r>
-              <a:rPr lang="en-US" dirty="0"/>
-              <a:t>	sng01</a:t>
+              <a:t>Singapore			sng01</a:t>
             </a:r>
           </a:p>
           <a:p>
@@ -7713,15 +7351,7 @@
             </a:pPr>
             <a:r>
               <a:rPr lang="en-US" dirty="0"/>
-              <a:t>Tokyo		</a:t>
-            </a:r>
-            <a:r>
-              <a:rPr lang="en-US" dirty="0" smtClean="0"/>
-              <a:t>	</a:t>
-            </a:r>
-            <a:r>
-              <a:rPr lang="en-US" dirty="0"/>
-              <a:t>	tok02</a:t>
+              <a:t>Tokyo				tok02</a:t>
             </a:r>
           </a:p>
           <a:p>
@@ -7739,13 +7369,8 @@
             </a:pPr>
             <a:r>
               <a:rPr lang="en-US" dirty="0"/>
-              <a:t>Washington, D.C. </a:t>
-            </a:r>
-            <a:r>
-              <a:rPr lang="en-US" dirty="0" smtClean="0"/>
-              <a:t>01	wdc01</a:t>
-            </a:r>
-            <a:endParaRPr lang="en-US" dirty="0"/>
+              <a:t>Washington, D.C. 01	wdc01</a:t>
+            </a:r>
           </a:p>
           <a:p>
             <a:pPr marL="0" indent="0">
@@ -7755,7 +7380,6 @@
               <a:rPr lang="en-US" dirty="0"/>
               <a:t>Washington, D.C. 04	wdc04</a:t>
             </a:r>
-            <a:endParaRPr lang="en-US" dirty="0" smtClean="0"/>
           </a:p>
         </p:txBody>
       </p:sp>
@@ -7799,13 +7423,6 @@
   <p:clrMapOvr>
     <a:masterClrMapping/>
   </p:clrMapOvr>
-  <p:timing>
-    <p:tnLst>
-      <p:par>
-        <p:cTn id="1" dur="indefinite" restart="never" nodeType="tmRoot"/>
-      </p:par>
-    </p:tnLst>
-  </p:timing>
 </p:sld>
 </file>
 
